--- a/lectures/le4_statistical_philosophy.pptx
+++ b/lectures/le4_statistical_philosophy.pptx
@@ -251,7 +251,7 @@
           <a:p>
             <a:fld id="{32295A16-C907-924E-9309-D28CB357FA15}" type="datetimeFigureOut">
               <a:rPr lang="en-US" smtClean="0"/>
-              <a:t>2/12/19</a:t>
+              <a:t>2/11/20</a:t>
             </a:fld>
             <a:endParaRPr lang="en-US"/>
           </a:p>
@@ -647,7 +647,7 @@
           <a:p>
             <a:fld id="{367CFA25-B096-7943-A865-C4385416DEAE}" type="datetimeFigureOut">
               <a:rPr lang="en-US" smtClean="0"/>
-              <a:t>2/12/19</a:t>
+              <a:t>2/11/20</a:t>
             </a:fld>
             <a:endParaRPr lang="en-US"/>
           </a:p>
@@ -815,7 +815,7 @@
           <a:p>
             <a:fld id="{367CFA25-B096-7943-A865-C4385416DEAE}" type="datetimeFigureOut">
               <a:rPr lang="en-US" smtClean="0"/>
-              <a:t>2/12/19</a:t>
+              <a:t>2/11/20</a:t>
             </a:fld>
             <a:endParaRPr lang="en-US"/>
           </a:p>
@@ -993,7 +993,7 @@
           <a:p>
             <a:fld id="{367CFA25-B096-7943-A865-C4385416DEAE}" type="datetimeFigureOut">
               <a:rPr lang="en-US" smtClean="0"/>
-              <a:t>2/12/19</a:t>
+              <a:t>2/11/20</a:t>
             </a:fld>
             <a:endParaRPr lang="en-US"/>
           </a:p>
@@ -1161,7 +1161,7 @@
           <a:p>
             <a:fld id="{367CFA25-B096-7943-A865-C4385416DEAE}" type="datetimeFigureOut">
               <a:rPr lang="en-US" smtClean="0"/>
-              <a:t>2/12/19</a:t>
+              <a:t>2/11/20</a:t>
             </a:fld>
             <a:endParaRPr lang="en-US"/>
           </a:p>
@@ -1406,7 +1406,7 @@
           <a:p>
             <a:fld id="{367CFA25-B096-7943-A865-C4385416DEAE}" type="datetimeFigureOut">
               <a:rPr lang="en-US" smtClean="0"/>
-              <a:t>2/12/19</a:t>
+              <a:t>2/11/20</a:t>
             </a:fld>
             <a:endParaRPr lang="en-US"/>
           </a:p>
@@ -1635,7 +1635,7 @@
           <a:p>
             <a:fld id="{367CFA25-B096-7943-A865-C4385416DEAE}" type="datetimeFigureOut">
               <a:rPr lang="en-US" smtClean="0"/>
-              <a:t>2/12/19</a:t>
+              <a:t>2/11/20</a:t>
             </a:fld>
             <a:endParaRPr lang="en-US"/>
           </a:p>
@@ -1999,7 +1999,7 @@
           <a:p>
             <a:fld id="{367CFA25-B096-7943-A865-C4385416DEAE}" type="datetimeFigureOut">
               <a:rPr lang="en-US" smtClean="0"/>
-              <a:t>2/12/19</a:t>
+              <a:t>2/11/20</a:t>
             </a:fld>
             <a:endParaRPr lang="en-US"/>
           </a:p>
@@ -2116,7 +2116,7 @@
           <a:p>
             <a:fld id="{367CFA25-B096-7943-A865-C4385416DEAE}" type="datetimeFigureOut">
               <a:rPr lang="en-US" smtClean="0"/>
-              <a:t>2/12/19</a:t>
+              <a:t>2/11/20</a:t>
             </a:fld>
             <a:endParaRPr lang="en-US"/>
           </a:p>
@@ -2211,7 +2211,7 @@
           <a:p>
             <a:fld id="{367CFA25-B096-7943-A865-C4385416DEAE}" type="datetimeFigureOut">
               <a:rPr lang="en-US" smtClean="0"/>
-              <a:t>2/12/19</a:t>
+              <a:t>2/11/20</a:t>
             </a:fld>
             <a:endParaRPr lang="en-US"/>
           </a:p>
@@ -2486,7 +2486,7 @@
           <a:p>
             <a:fld id="{367CFA25-B096-7943-A865-C4385416DEAE}" type="datetimeFigureOut">
               <a:rPr lang="en-US" smtClean="0"/>
-              <a:t>2/12/19</a:t>
+              <a:t>2/11/20</a:t>
             </a:fld>
             <a:endParaRPr lang="en-US"/>
           </a:p>
@@ -2738,7 +2738,7 @@
           <a:p>
             <a:fld id="{367CFA25-B096-7943-A865-C4385416DEAE}" type="datetimeFigureOut">
               <a:rPr lang="en-US" smtClean="0"/>
-              <a:t>2/12/19</a:t>
+              <a:t>2/11/20</a:t>
             </a:fld>
             <a:endParaRPr lang="en-US"/>
           </a:p>
@@ -2949,7 +2949,7 @@
           <a:p>
             <a:fld id="{367CFA25-B096-7943-A865-C4385416DEAE}" type="datetimeFigureOut">
               <a:rPr lang="en-US" smtClean="0"/>
-              <a:t>2/12/19</a:t>
+              <a:t>2/11/20</a:t>
             </a:fld>
             <a:endParaRPr lang="en-US"/>
           </a:p>
@@ -5426,7 +5426,7 @@
           <a:p>
             <a:r>
               <a:rPr lang="en-US" dirty="0"/>
-              <a:t>High p-values should not be used to be advance you conclusion.</a:t>
+              <a:t>High p-values should not be used to be advance your conclusion.</a:t>
             </a:r>
           </a:p>
         </p:txBody>
@@ -8252,7 +8252,7 @@
           <a:p>
             <a:r>
               <a:rPr lang="en-US" dirty="0"/>
-              <a:t>Assignment</a:t>
+              <a:t>Discussion</a:t>
             </a:r>
           </a:p>
         </p:txBody>
@@ -8281,12 +8281,6 @@
           </a:p>
           <a:p>
             <a:endParaRPr lang="en-US" sz="3600" dirty="0"/>
-          </a:p>
-          <a:p>
-            <a:r>
-              <a:rPr lang="en-US" sz="3600" dirty="0"/>
-              <a:t>Submit this in any format you would like (e.g. word, pdf, whatever) via canvas.</a:t>
-            </a:r>
           </a:p>
         </p:txBody>
       </p:sp>
